--- a/Doc/세미나/Gymunity_PT_Seminar.pptx
+++ b/Doc/세미나/Gymunity_PT_Seminar.pptx
@@ -257,7 +257,7 @@
           <a:p>
             <a:fld id="{F3CDC90E-98FC-467C-BFA7-75507478584F}" type="datetimeFigureOut">
               <a:rPr lang="ko-KR" altLang="en-US" smtClean="0"/>
-              <a:t>2024-04-02</a:t>
+              <a:t>2024-04-03</a:t>
             </a:fld>
             <a:endParaRPr lang="ko-KR" altLang="en-US"/>
           </a:p>
@@ -427,7 +427,7 @@
           <a:p>
             <a:fld id="{F3CDC90E-98FC-467C-BFA7-75507478584F}" type="datetimeFigureOut">
               <a:rPr lang="ko-KR" altLang="en-US" smtClean="0"/>
-              <a:t>2024-04-02</a:t>
+              <a:t>2024-04-03</a:t>
             </a:fld>
             <a:endParaRPr lang="ko-KR" altLang="en-US"/>
           </a:p>
@@ -607,7 +607,7 @@
           <a:p>
             <a:fld id="{F3CDC90E-98FC-467C-BFA7-75507478584F}" type="datetimeFigureOut">
               <a:rPr lang="ko-KR" altLang="en-US" smtClean="0"/>
-              <a:t>2024-04-02</a:t>
+              <a:t>2024-04-03</a:t>
             </a:fld>
             <a:endParaRPr lang="ko-KR" altLang="en-US"/>
           </a:p>
@@ -777,7 +777,7 @@
           <a:p>
             <a:fld id="{F3CDC90E-98FC-467C-BFA7-75507478584F}" type="datetimeFigureOut">
               <a:rPr lang="ko-KR" altLang="en-US" smtClean="0"/>
-              <a:t>2024-04-02</a:t>
+              <a:t>2024-04-03</a:t>
             </a:fld>
             <a:endParaRPr lang="ko-KR" altLang="en-US"/>
           </a:p>
@@ -1023,7 +1023,7 @@
           <a:p>
             <a:fld id="{F3CDC90E-98FC-467C-BFA7-75507478584F}" type="datetimeFigureOut">
               <a:rPr lang="ko-KR" altLang="en-US" smtClean="0"/>
-              <a:t>2024-04-02</a:t>
+              <a:t>2024-04-03</a:t>
             </a:fld>
             <a:endParaRPr lang="ko-KR" altLang="en-US"/>
           </a:p>
@@ -1255,7 +1255,7 @@
           <a:p>
             <a:fld id="{F3CDC90E-98FC-467C-BFA7-75507478584F}" type="datetimeFigureOut">
               <a:rPr lang="ko-KR" altLang="en-US" smtClean="0"/>
-              <a:t>2024-04-02</a:t>
+              <a:t>2024-04-03</a:t>
             </a:fld>
             <a:endParaRPr lang="ko-KR" altLang="en-US"/>
           </a:p>
@@ -1622,7 +1622,7 @@
           <a:p>
             <a:fld id="{F3CDC90E-98FC-467C-BFA7-75507478584F}" type="datetimeFigureOut">
               <a:rPr lang="ko-KR" altLang="en-US" smtClean="0"/>
-              <a:t>2024-04-02</a:t>
+              <a:t>2024-04-03</a:t>
             </a:fld>
             <a:endParaRPr lang="ko-KR" altLang="en-US"/>
           </a:p>
@@ -1740,7 +1740,7 @@
           <a:p>
             <a:fld id="{F3CDC90E-98FC-467C-BFA7-75507478584F}" type="datetimeFigureOut">
               <a:rPr lang="ko-KR" altLang="en-US" smtClean="0"/>
-              <a:t>2024-04-02</a:t>
+              <a:t>2024-04-03</a:t>
             </a:fld>
             <a:endParaRPr lang="ko-KR" altLang="en-US"/>
           </a:p>
@@ -1835,7 +1835,7 @@
           <a:p>
             <a:fld id="{F3CDC90E-98FC-467C-BFA7-75507478584F}" type="datetimeFigureOut">
               <a:rPr lang="ko-KR" altLang="en-US" smtClean="0"/>
-              <a:t>2024-04-02</a:t>
+              <a:t>2024-04-03</a:t>
             </a:fld>
             <a:endParaRPr lang="ko-KR" altLang="en-US"/>
           </a:p>
@@ -2112,7 +2112,7 @@
           <a:p>
             <a:fld id="{F3CDC90E-98FC-467C-BFA7-75507478584F}" type="datetimeFigureOut">
               <a:rPr lang="ko-KR" altLang="en-US" smtClean="0"/>
-              <a:t>2024-04-02</a:t>
+              <a:t>2024-04-03</a:t>
             </a:fld>
             <a:endParaRPr lang="ko-KR" altLang="en-US"/>
           </a:p>
@@ -2365,7 +2365,7 @@
           <a:p>
             <a:fld id="{F3CDC90E-98FC-467C-BFA7-75507478584F}" type="datetimeFigureOut">
               <a:rPr lang="ko-KR" altLang="en-US" smtClean="0"/>
-              <a:t>2024-04-02</a:t>
+              <a:t>2024-04-03</a:t>
             </a:fld>
             <a:endParaRPr lang="ko-KR" altLang="en-US"/>
           </a:p>
@@ -2578,7 +2578,7 @@
           <a:p>
             <a:fld id="{F3CDC90E-98FC-467C-BFA7-75507478584F}" type="datetimeFigureOut">
               <a:rPr lang="ko-KR" altLang="en-US" smtClean="0"/>
-              <a:t>2024-04-02</a:t>
+              <a:t>2024-04-03</a:t>
             </a:fld>
             <a:endParaRPr lang="ko-KR" altLang="en-US"/>
           </a:p>
@@ -3645,11 +3645,7 @@
           <a:p>
             <a:r>
               <a:rPr lang="ko-KR" altLang="en-US" dirty="0" smtClean="0"/>
-              <a:t>향후 </a:t>
-            </a:r>
-            <a:r>
-              <a:rPr lang="ko-KR" altLang="en-US" dirty="0" smtClean="0"/>
-              <a:t>계획</a:t>
+              <a:t>향후 계획</a:t>
             </a:r>
             <a:endParaRPr lang="ko-KR" altLang="en-US" dirty="0"/>
           </a:p>
@@ -4395,27 +4391,15 @@
             </a:r>
             <a:r>
               <a:rPr lang="ko-KR" altLang="en-US" dirty="0" smtClean="0"/>
-              <a:t>맞춤 운동 플랜 </a:t>
-            </a:r>
+              <a:t>맞춤 운동 플랜 생성</a:t>
+            </a:r>
+            <a:endParaRPr lang="en-US" altLang="ko-KR" dirty="0" smtClean="0"/>
+          </a:p>
+          <a:p>
+            <a:pPr lvl="1"/>
             <a:r>
               <a:rPr lang="ko-KR" altLang="en-US" dirty="0" smtClean="0"/>
-              <a:t>생성</a:t>
-            </a:r>
-            <a:endParaRPr lang="en-US" altLang="ko-KR" dirty="0" smtClean="0"/>
-          </a:p>
-          <a:p>
-            <a:pPr lvl="1"/>
-            <a:r>
-              <a:rPr lang="ko-KR" altLang="en-US" dirty="0" smtClean="0"/>
-              <a:t>하루 </a:t>
-            </a:r>
-            <a:r>
-              <a:rPr lang="ko-KR" altLang="en-US" dirty="0" smtClean="0"/>
-              <a:t>운동 프로그램 </a:t>
-            </a:r>
-            <a:r>
-              <a:rPr lang="ko-KR" altLang="en-US" dirty="0" smtClean="0"/>
-              <a:t>생성</a:t>
+              <a:t>하루 운동 프로그램 생성</a:t>
             </a:r>
             <a:endParaRPr lang="en-US" altLang="ko-KR" dirty="0" smtClean="0"/>
           </a:p>
@@ -4427,11 +4411,7 @@
             </a:r>
             <a:r>
               <a:rPr lang="ko-KR" altLang="en-US" dirty="0" smtClean="0"/>
-              <a:t> </a:t>
-            </a:r>
-            <a:r>
-              <a:rPr lang="ko-KR" altLang="en-US" dirty="0" smtClean="0"/>
-              <a:t>동영상 재생 </a:t>
+              <a:t> 동영상 재생 </a:t>
             </a:r>
             <a:r>
               <a:rPr lang="en-US" altLang="ko-KR" dirty="0" smtClean="0"/>
@@ -4586,11 +4566,7 @@
             </a:r>
             <a:r>
               <a:rPr lang="en-US" altLang="ko-KR" dirty="0" smtClean="0"/>
-              <a:t> </a:t>
-            </a:r>
-            <a:r>
-              <a:rPr lang="en-US" altLang="ko-KR" dirty="0" smtClean="0"/>
-              <a:t>(</a:t>
+              <a:t> (</a:t>
             </a:r>
             <a:r>
               <a:rPr lang="en-US" altLang="ko-KR" dirty="0" err="1" smtClean="0"/>
@@ -5112,7 +5088,6 @@
               <a:rPr lang="en-US" altLang="ko-KR" sz="1200" b="1" dirty="0" smtClean="0"/>
               <a:t>Blue Print</a:t>
             </a:r>
-            <a:endParaRPr lang="en-US" altLang="ko-KR" sz="1200" b="1" dirty="0" smtClean="0"/>
           </a:p>
         </p:txBody>
       </p:sp>
@@ -5887,23 +5862,7 @@
                   <a:sysClr val="windowText" lastClr="000000"/>
                 </a:solidFill>
               </a:rPr>
-              <a:t>Back/PT/views/</a:t>
-            </a:r>
-            <a:r>
-              <a:rPr lang="en-US" altLang="ko-KR" sz="800" dirty="0" smtClean="0">
-                <a:solidFill>
-                  <a:sysClr val="windowText" lastClr="000000"/>
-                </a:solidFill>
-              </a:rPr>
-              <a:t>Router</a:t>
-            </a:r>
-            <a:r>
-              <a:rPr lang="en-US" altLang="ko-KR" sz="800" dirty="0" smtClean="0">
-                <a:solidFill>
-                  <a:sysClr val="windowText" lastClr="000000"/>
-                </a:solidFill>
-              </a:rPr>
-              <a:t>.py</a:t>
+              <a:t>Back/PT/views/Router.py</a:t>
             </a:r>
             <a:endParaRPr lang="ko-KR" altLang="en-US" sz="800" dirty="0">
               <a:solidFill>
@@ -8450,14 +8409,14 @@
           <p:nvPr>
             <p:extLst>
               <p:ext uri="{D42A27DB-BD31-4B8C-83A1-F6EECF244321}">
-                <p14:modId xmlns:p14="http://schemas.microsoft.com/office/powerpoint/2010/main" val="3559437149"/>
+                <p14:modId xmlns:p14="http://schemas.microsoft.com/office/powerpoint/2010/main" val="1084143494"/>
               </p:ext>
             </p:extLst>
           </p:nvPr>
         </p:nvGraphicFramePr>
         <p:xfrm>
           <a:off x="121098" y="1078576"/>
-          <a:ext cx="11869620" cy="5538124"/>
+          <a:ext cx="11869620" cy="5657280"/>
         </p:xfrm>
         <a:graphic>
           <a:graphicData uri="http://schemas.openxmlformats.org/drawingml/2006/table">
@@ -8922,7 +8881,11 @@
                       <a:pPr algn="ctr" latinLnBrk="1"/>
                       <a:r>
                         <a:rPr lang="ko-KR" altLang="en-US" dirty="0" smtClean="0"/>
-                        <a:t>답변 유한</a:t>
+                        <a:t>최신 답변 </a:t>
+                      </a:r>
+                      <a:r>
+                        <a:rPr lang="en-US" altLang="ko-KR" dirty="0" smtClean="0"/>
+                        <a:t>X</a:t>
                       </a:r>
                       <a:endParaRPr lang="ko-KR" altLang="en-US" dirty="0"/>
                     </a:p>
@@ -8937,12 +8900,13 @@
                       <a:pPr algn="ctr" latinLnBrk="1"/>
                       <a:r>
                         <a:rPr lang="ko-KR" altLang="en-US" dirty="0" smtClean="0"/>
-                        <a:t>답변 유한</a:t>
+                        <a:t>최신 답변 </a:t>
                       </a:r>
                       <a:r>
                         <a:rPr lang="en-US" altLang="ko-KR" dirty="0" smtClean="0"/>
-                        <a:t>, </a:t>
+                        <a:t>X</a:t>
                       </a:r>
+                      <a:endParaRPr lang="en-US" altLang="ko-KR" dirty="0" smtClean="0"/>
                     </a:p>
                     <a:p>
                       <a:pPr algn="ctr" latinLnBrk="1"/>
@@ -8978,30 +8942,41 @@
                     <a:lstStyle/>
                     <a:p>
                       <a:pPr algn="ctr" latinLnBrk="1"/>
-                      <a:r>
-                        <a:rPr lang="en-US" altLang="ko-KR" dirty="0" smtClean="0"/>
-                        <a:t>Pre-Build</a:t>
-                      </a:r>
-                      <a:r>
-                        <a:rPr lang="en-US" altLang="ko-KR" baseline="0" dirty="0" smtClean="0"/>
-                        <a:t> Data</a:t>
-                      </a:r>
+                      <a:endParaRPr lang="ko-KR" altLang="en-US" sz="1200" dirty="0"/>
                     </a:p>
+                  </a:txBody>
+                  <a:tcPr anchor="ctr"/>
+                </a:tc>
+                <a:tc>
+                  <a:txBody>
+                    <a:bodyPr/>
+                    <a:lstStyle/>
                     <a:p>
                       <a:pPr algn="ctr" latinLnBrk="1"/>
                       <a:r>
-                        <a:rPr lang="en-US" altLang="ko-KR" sz="1200" baseline="0" dirty="0" smtClean="0"/>
-                        <a:t>(</a:t>
+                        <a:rPr lang="en-US" altLang="ko-KR" sz="1600" b="0" baseline="0" dirty="0" err="1" smtClean="0"/>
+                        <a:t>QnA</a:t>
                       </a:r>
                       <a:r>
-                        <a:rPr lang="ko-KR" altLang="en-US" sz="1200" baseline="0" dirty="0" smtClean="0"/>
-                        <a:t>상업용</a:t>
+                        <a:rPr lang="en-US" altLang="ko-KR" sz="1600" b="0" baseline="0" dirty="0" smtClean="0"/>
+                        <a:t> </a:t>
                       </a:r>
                       <a:r>
-                        <a:rPr lang="en-US" altLang="ko-KR" sz="1200" baseline="0" dirty="0" smtClean="0"/>
-                        <a:t>)</a:t>
+                        <a:rPr lang="en-US" altLang="ko-KR" sz="1600" b="0" baseline="0" dirty="0" err="1" smtClean="0"/>
+                        <a:t>Chatbot</a:t>
                       </a:r>
-                      <a:endParaRPr lang="ko-KR" altLang="en-US" sz="1200" dirty="0"/>
+                      <a:endParaRPr lang="en-US" altLang="ko-KR" sz="1600" b="0" baseline="0" dirty="0" smtClean="0"/>
+                    </a:p>
+                  </a:txBody>
+                  <a:tcPr anchor="ctr"/>
+                </a:tc>
+                <a:tc>
+                  <a:txBody>
+                    <a:bodyPr/>
+                    <a:lstStyle/>
+                    <a:p>
+                      <a:pPr algn="ctr" latinLnBrk="1"/>
+                      <a:endParaRPr lang="ko-KR" altLang="en-US" dirty="0"/>
                     </a:p>
                   </a:txBody>
                   <a:tcPr anchor="ctr"/>
@@ -9024,48 +8999,26 @@
                     <a:p>
                       <a:pPr algn="ctr" latinLnBrk="1"/>
                       <a:r>
-                        <a:rPr lang="en-US" altLang="ko-KR" sz="1200" baseline="0" dirty="0" smtClean="0"/>
+                        <a:rPr lang="en-US" altLang="ko-KR" sz="1600" b="0" baseline="0" dirty="0" smtClean="0"/>
                         <a:t>(</a:t>
                       </a:r>
                       <a:r>
-                        <a:rPr lang="ko-KR" altLang="en-US" sz="1200" baseline="0" dirty="0" smtClean="0"/>
-                        <a:t>개발용</a:t>
+                        <a:rPr lang="ko-KR" altLang="en-US" sz="1600" b="0" baseline="0" dirty="0" smtClean="0"/>
+                        <a:t>종합 </a:t>
                       </a:r>
                       <a:r>
-                        <a:rPr lang="en-US" altLang="ko-KR" sz="1200" baseline="0" dirty="0" smtClean="0"/>
-                        <a:t>)</a:t>
+                        <a:rPr lang="en-US" altLang="ko-KR" sz="1600" b="0" baseline="0" dirty="0" smtClean="0"/>
+                        <a:t>Plan, Daily Plan, </a:t>
                       </a:r>
-                      <a:endParaRPr lang="ko-KR" altLang="en-US" sz="1200" dirty="0" smtClean="0"/>
-                    </a:p>
-                  </a:txBody>
-                  <a:tcPr anchor="ctr"/>
-                </a:tc>
-                <a:tc>
-                  <a:txBody>
-                    <a:bodyPr/>
-                    <a:lstStyle/>
-                    <a:p>
-                      <a:pPr algn="ctr" latinLnBrk="1"/>
                       <a:r>
-                        <a:rPr lang="en-US" altLang="ko-KR" dirty="0" smtClean="0"/>
-                        <a:t>X</a:t>
-                      </a:r>
-                      <a:endParaRPr lang="ko-KR" altLang="en-US" dirty="0"/>
-                    </a:p>
-                  </a:txBody>
-                  <a:tcPr anchor="ctr"/>
-                </a:tc>
-                <a:tc>
-                  <a:txBody>
-                    <a:bodyPr/>
-                    <a:lstStyle/>
-                    <a:p>
-                      <a:pPr algn="ctr" latinLnBrk="1"/>
-                      <a:r>
-                        <a:rPr lang="en-US" altLang="ko-KR" dirty="0" err="1" smtClean="0"/>
+                        <a:rPr lang="en-US" altLang="ko-KR" sz="1600" b="0" baseline="0" dirty="0" err="1" smtClean="0"/>
                         <a:t>QnA</a:t>
                       </a:r>
-                      <a:endParaRPr lang="ko-KR" altLang="en-US" dirty="0"/>
+                      <a:r>
+                        <a:rPr lang="en-US" altLang="ko-KR" sz="1600" b="0" baseline="0" dirty="0" smtClean="0"/>
+                        <a:t> Prompt)</a:t>
+                      </a:r>
+                      <a:endParaRPr lang="en-US" altLang="ko-KR" sz="1600" b="0" baseline="0" dirty="0" smtClean="0"/>
                     </a:p>
                   </a:txBody>
                   <a:tcPr anchor="ctr"/>
@@ -9201,7 +9154,7 @@
             <a:pPr algn="ctr"/>
             <a:r>
               <a:rPr lang="en-US" altLang="ko-KR" dirty="0" smtClean="0"/>
-              <a:t>LLM</a:t>
+              <a:t>Open API</a:t>
             </a:r>
             <a:endParaRPr lang="ko-KR" altLang="en-US" dirty="0"/>
           </a:p>

--- a/Doc/세미나/Gymunity_PT_Seminar.pptx
+++ b/Doc/세미나/Gymunity_PT_Seminar.pptx
@@ -258,7 +258,7 @@
           <a:p>
             <a:fld id="{F3CDC90E-98FC-467C-BFA7-75507478584F}" type="datetimeFigureOut">
               <a:rPr lang="ko-KR" altLang="en-US" smtClean="0"/>
-              <a:t>2024-04-03</a:t>
+              <a:t>2024-04-04</a:t>
             </a:fld>
             <a:endParaRPr lang="ko-KR" altLang="en-US"/>
           </a:p>
@@ -428,7 +428,7 @@
           <a:p>
             <a:fld id="{F3CDC90E-98FC-467C-BFA7-75507478584F}" type="datetimeFigureOut">
               <a:rPr lang="ko-KR" altLang="en-US" smtClean="0"/>
-              <a:t>2024-04-03</a:t>
+              <a:t>2024-04-04</a:t>
             </a:fld>
             <a:endParaRPr lang="ko-KR" altLang="en-US"/>
           </a:p>
@@ -608,7 +608,7 @@
           <a:p>
             <a:fld id="{F3CDC90E-98FC-467C-BFA7-75507478584F}" type="datetimeFigureOut">
               <a:rPr lang="ko-KR" altLang="en-US" smtClean="0"/>
-              <a:t>2024-04-03</a:t>
+              <a:t>2024-04-04</a:t>
             </a:fld>
             <a:endParaRPr lang="ko-KR" altLang="en-US"/>
           </a:p>
@@ -778,7 +778,7 @@
           <a:p>
             <a:fld id="{F3CDC90E-98FC-467C-BFA7-75507478584F}" type="datetimeFigureOut">
               <a:rPr lang="ko-KR" altLang="en-US" smtClean="0"/>
-              <a:t>2024-04-03</a:t>
+              <a:t>2024-04-04</a:t>
             </a:fld>
             <a:endParaRPr lang="ko-KR" altLang="en-US"/>
           </a:p>
@@ -1024,7 +1024,7 @@
           <a:p>
             <a:fld id="{F3CDC90E-98FC-467C-BFA7-75507478584F}" type="datetimeFigureOut">
               <a:rPr lang="ko-KR" altLang="en-US" smtClean="0"/>
-              <a:t>2024-04-03</a:t>
+              <a:t>2024-04-04</a:t>
             </a:fld>
             <a:endParaRPr lang="ko-KR" altLang="en-US"/>
           </a:p>
@@ -1256,7 +1256,7 @@
           <a:p>
             <a:fld id="{F3CDC90E-98FC-467C-BFA7-75507478584F}" type="datetimeFigureOut">
               <a:rPr lang="ko-KR" altLang="en-US" smtClean="0"/>
-              <a:t>2024-04-03</a:t>
+              <a:t>2024-04-04</a:t>
             </a:fld>
             <a:endParaRPr lang="ko-KR" altLang="en-US"/>
           </a:p>
@@ -1623,7 +1623,7 @@
           <a:p>
             <a:fld id="{F3CDC90E-98FC-467C-BFA7-75507478584F}" type="datetimeFigureOut">
               <a:rPr lang="ko-KR" altLang="en-US" smtClean="0"/>
-              <a:t>2024-04-03</a:t>
+              <a:t>2024-04-04</a:t>
             </a:fld>
             <a:endParaRPr lang="ko-KR" altLang="en-US"/>
           </a:p>
@@ -1741,7 +1741,7 @@
           <a:p>
             <a:fld id="{F3CDC90E-98FC-467C-BFA7-75507478584F}" type="datetimeFigureOut">
               <a:rPr lang="ko-KR" altLang="en-US" smtClean="0"/>
-              <a:t>2024-04-03</a:t>
+              <a:t>2024-04-04</a:t>
             </a:fld>
             <a:endParaRPr lang="ko-KR" altLang="en-US"/>
           </a:p>
@@ -1836,7 +1836,7 @@
           <a:p>
             <a:fld id="{F3CDC90E-98FC-467C-BFA7-75507478584F}" type="datetimeFigureOut">
               <a:rPr lang="ko-KR" altLang="en-US" smtClean="0"/>
-              <a:t>2024-04-03</a:t>
+              <a:t>2024-04-04</a:t>
             </a:fld>
             <a:endParaRPr lang="ko-KR" altLang="en-US"/>
           </a:p>
@@ -2113,7 +2113,7 @@
           <a:p>
             <a:fld id="{F3CDC90E-98FC-467C-BFA7-75507478584F}" type="datetimeFigureOut">
               <a:rPr lang="ko-KR" altLang="en-US" smtClean="0"/>
-              <a:t>2024-04-03</a:t>
+              <a:t>2024-04-04</a:t>
             </a:fld>
             <a:endParaRPr lang="ko-KR" altLang="en-US"/>
           </a:p>
@@ -2366,7 +2366,7 @@
           <a:p>
             <a:fld id="{F3CDC90E-98FC-467C-BFA7-75507478584F}" type="datetimeFigureOut">
               <a:rPr lang="ko-KR" altLang="en-US" smtClean="0"/>
-              <a:t>2024-04-03</a:t>
+              <a:t>2024-04-04</a:t>
             </a:fld>
             <a:endParaRPr lang="ko-KR" altLang="en-US"/>
           </a:p>
@@ -2579,7 +2579,7 @@
           <a:p>
             <a:fld id="{F3CDC90E-98FC-467C-BFA7-75507478584F}" type="datetimeFigureOut">
               <a:rPr lang="ko-KR" altLang="en-US" smtClean="0"/>
-              <a:t>2024-04-03</a:t>
+              <a:t>2024-04-04</a:t>
             </a:fld>
             <a:endParaRPr lang="ko-KR" altLang="en-US"/>
           </a:p>
@@ -3341,15 +3341,7 @@
             </a:r>
             <a:r>
               <a:rPr lang="ko-KR" altLang="en-US" sz="2000" b="1" dirty="0" smtClean="0"/>
-              <a:t>운동 </a:t>
-            </a:r>
-            <a:r>
-              <a:rPr lang="ko-KR" altLang="en-US" sz="2000" b="1" dirty="0" smtClean="0"/>
-              <a:t>구간별 맞춤 </a:t>
-            </a:r>
-            <a:r>
-              <a:rPr lang="ko-KR" altLang="en-US" sz="2000" b="1" dirty="0" smtClean="0"/>
-              <a:t>상담</a:t>
+              <a:t>운동 구간별 맞춤 상담</a:t>
             </a:r>
             <a:r>
               <a:rPr lang="en-US" altLang="ko-KR" sz="2000" b="1" dirty="0" smtClean="0"/>
@@ -5070,11 +5062,7 @@
           <a:p>
             <a:r>
               <a:rPr lang="en-US" altLang="ko-KR" dirty="0" smtClean="0"/>
-              <a:t>Cloud </a:t>
-            </a:r>
-            <a:r>
-              <a:rPr lang="en-US" altLang="ko-KR" dirty="0" smtClean="0"/>
-              <a:t>(AWS, Azure) </a:t>
+              <a:t>Cloud (AWS, Azure) </a:t>
             </a:r>
             <a:r>
               <a:rPr lang="en-US" altLang="ko-KR" dirty="0" err="1" smtClean="0"/>
@@ -5139,11 +5127,7 @@
           <a:p>
             <a:r>
               <a:rPr lang="ko-KR" altLang="en-US" b="1" dirty="0" smtClean="0"/>
-              <a:t>개발 </a:t>
-            </a:r>
-            <a:r>
-              <a:rPr lang="ko-KR" altLang="en-US" b="1" dirty="0" smtClean="0"/>
-              <a:t>프로세스</a:t>
+              <a:t>개발 프로세스</a:t>
             </a:r>
             <a:endParaRPr lang="ko-KR" altLang="en-US" b="1" dirty="0"/>
           </a:p>
@@ -5182,7 +5166,7 @@
         <p:spPr>
           <a:xfrm>
             <a:off x="6131565" y="4813929"/>
-            <a:ext cx="5482078" cy="1323439"/>
+            <a:ext cx="4596708" cy="1323439"/>
           </a:xfrm>
           <a:prstGeom prst="rect">
             <a:avLst/>
@@ -5228,7 +5212,15 @@
             </a:pPr>
             <a:r>
               <a:rPr lang="en-US" altLang="ko-KR" sz="2000" dirty="0" smtClean="0"/>
-              <a:t>Daily Scrum (Review)</a:t>
+              <a:t>Daily Scrum </a:t>
+            </a:r>
+            <a:r>
+              <a:rPr lang="en-US" altLang="ko-KR" sz="2000" dirty="0" smtClean="0"/>
+              <a:t>(Task Review</a:t>
+            </a:r>
+            <a:r>
+              <a:rPr lang="en-US" altLang="ko-KR" sz="2000" dirty="0" smtClean="0"/>
+              <a:t>)</a:t>
             </a:r>
           </a:p>
           <a:p>
@@ -5250,7 +5242,11 @@
             </a:r>
             <a:r>
               <a:rPr lang="en-US" altLang="ko-KR" sz="2000" dirty="0" smtClean="0"/>
-              <a:t>, Doing, Done)</a:t>
+              <a:t>, Doing, Done</a:t>
+            </a:r>
+            <a:r>
+              <a:rPr lang="en-US" altLang="ko-KR" sz="2000" dirty="0" smtClean="0"/>
+              <a:t>)</a:t>
             </a:r>
           </a:p>
           <a:p>
@@ -5259,16 +5255,8 @@
               <a:buChar char="•"/>
             </a:pPr>
             <a:r>
-              <a:rPr lang="ko-KR" altLang="en-US" sz="2000" dirty="0" smtClean="0"/>
-              <a:t>장점 </a:t>
-            </a:r>
-            <a:r>
               <a:rPr lang="en-US" altLang="ko-KR" sz="2000" dirty="0" smtClean="0"/>
-              <a:t>: Due Date, Lean </a:t>
-            </a:r>
-            <a:r>
-              <a:rPr lang="ko-KR" altLang="en-US" sz="2000" dirty="0" smtClean="0"/>
-              <a:t>보다 고객 이해 중점</a:t>
+              <a:t>Postmortem (Plan-Review)</a:t>
             </a:r>
             <a:endParaRPr lang="en-US" altLang="ko-KR" sz="2000" dirty="0" smtClean="0"/>
           </a:p>
@@ -6763,11 +6751,7 @@
             <a:pPr algn="ctr"/>
             <a:r>
               <a:rPr lang="en-US" altLang="ko-KR" sz="1100" b="1" dirty="0" smtClean="0"/>
-              <a:t>Flask</a:t>
-            </a:r>
-            <a:r>
-              <a:rPr lang="en-US" altLang="ko-KR" sz="1100" b="1" dirty="0" smtClean="0"/>
-              <a:t>, </a:t>
+              <a:t>Flask, </a:t>
             </a:r>
             <a:r>
               <a:rPr lang="en-US" altLang="ko-KR" sz="1100" b="1" dirty="0" err="1" smtClean="0"/>
@@ -9225,11 +9209,7 @@
           <a:p>
             <a:r>
               <a:rPr lang="en-US" altLang="ko-KR" b="1" dirty="0" smtClean="0"/>
-              <a:t>PT &gt; Front </a:t>
-            </a:r>
-            <a:r>
-              <a:rPr lang="en-US" altLang="ko-KR" b="1" dirty="0" smtClean="0"/>
-              <a:t>UX</a:t>
+              <a:t>PT &gt; Front UX</a:t>
             </a:r>
             <a:endParaRPr lang="ko-KR" altLang="en-US" b="1" dirty="0"/>
           </a:p>
@@ -9624,11 +9604,7 @@
           <a:p>
             <a:r>
               <a:rPr lang="en-US" altLang="ko-KR" sz="2000" b="1" dirty="0" smtClean="0"/>
-              <a:t>/</a:t>
-            </a:r>
-            <a:r>
-              <a:rPr lang="en-US" altLang="ko-KR" sz="2000" b="1" dirty="0" smtClean="0"/>
-              <a:t>plan (</a:t>
+              <a:t>/plan (</a:t>
             </a:r>
             <a:r>
               <a:rPr lang="ko-KR" altLang="en-US" sz="2000" b="1" dirty="0" smtClean="0"/>
